--- a/Machine Learning for Pose Estimation using SLEAP.pptx
+++ b/Machine Learning for Pose Estimation using SLEAP.pptx
@@ -231,7 +231,7 @@
           <a:p>
             <a:fld id="{59A5C947-B37C-4978-9DA3-552902875DE4}" type="datetimeFigureOut">
               <a:rPr lang="en-US" smtClean="0"/>
-              <a:t>12/11/2024</a:t>
+              <a:t>12/12/2024</a:t>
             </a:fld>
             <a:endParaRPr lang="en-US"/>
           </a:p>
@@ -813,7 +813,7 @@
           <a:p>
             <a:fld id="{C581C05D-0FB0-49C1-AC7E-1A445F707D70}" type="datetimeFigureOut">
               <a:rPr lang="en-US" smtClean="0"/>
-              <a:t>12/11/2024</a:t>
+              <a:t>12/12/2024</a:t>
             </a:fld>
             <a:endParaRPr lang="en-US"/>
           </a:p>
@@ -1011,7 +1011,7 @@
           <a:p>
             <a:fld id="{C581C05D-0FB0-49C1-AC7E-1A445F707D70}" type="datetimeFigureOut">
               <a:rPr lang="en-US" smtClean="0"/>
-              <a:t>12/11/2024</a:t>
+              <a:t>12/12/2024</a:t>
             </a:fld>
             <a:endParaRPr lang="en-US"/>
           </a:p>
@@ -1219,7 +1219,7 @@
           <a:p>
             <a:fld id="{C581C05D-0FB0-49C1-AC7E-1A445F707D70}" type="datetimeFigureOut">
               <a:rPr lang="en-US" smtClean="0"/>
-              <a:t>12/11/2024</a:t>
+              <a:t>12/12/2024</a:t>
             </a:fld>
             <a:endParaRPr lang="en-US"/>
           </a:p>
@@ -1417,7 +1417,7 @@
           <a:p>
             <a:fld id="{C581C05D-0FB0-49C1-AC7E-1A445F707D70}" type="datetimeFigureOut">
               <a:rPr lang="en-US" smtClean="0"/>
-              <a:t>12/11/2024</a:t>
+              <a:t>12/12/2024</a:t>
             </a:fld>
             <a:endParaRPr lang="en-US"/>
           </a:p>
@@ -1692,7 +1692,7 @@
           <a:p>
             <a:fld id="{C581C05D-0FB0-49C1-AC7E-1A445F707D70}" type="datetimeFigureOut">
               <a:rPr lang="en-US" smtClean="0"/>
-              <a:t>12/11/2024</a:t>
+              <a:t>12/12/2024</a:t>
             </a:fld>
             <a:endParaRPr lang="en-US"/>
           </a:p>
@@ -1957,7 +1957,7 @@
           <a:p>
             <a:fld id="{C581C05D-0FB0-49C1-AC7E-1A445F707D70}" type="datetimeFigureOut">
               <a:rPr lang="en-US" smtClean="0"/>
-              <a:t>12/11/2024</a:t>
+              <a:t>12/12/2024</a:t>
             </a:fld>
             <a:endParaRPr lang="en-US"/>
           </a:p>
@@ -2369,7 +2369,7 @@
           <a:p>
             <a:fld id="{C581C05D-0FB0-49C1-AC7E-1A445F707D70}" type="datetimeFigureOut">
               <a:rPr lang="en-US" smtClean="0"/>
-              <a:t>12/11/2024</a:t>
+              <a:t>12/12/2024</a:t>
             </a:fld>
             <a:endParaRPr lang="en-US"/>
           </a:p>
@@ -2510,7 +2510,7 @@
           <a:p>
             <a:fld id="{C581C05D-0FB0-49C1-AC7E-1A445F707D70}" type="datetimeFigureOut">
               <a:rPr lang="en-US" smtClean="0"/>
-              <a:t>12/11/2024</a:t>
+              <a:t>12/12/2024</a:t>
             </a:fld>
             <a:endParaRPr lang="en-US"/>
           </a:p>
@@ -2623,7 +2623,7 @@
           <a:p>
             <a:fld id="{C581C05D-0FB0-49C1-AC7E-1A445F707D70}" type="datetimeFigureOut">
               <a:rPr lang="en-US" smtClean="0"/>
-              <a:t>12/11/2024</a:t>
+              <a:t>12/12/2024</a:t>
             </a:fld>
             <a:endParaRPr lang="en-US"/>
           </a:p>
@@ -2934,7 +2934,7 @@
           <a:p>
             <a:fld id="{C581C05D-0FB0-49C1-AC7E-1A445F707D70}" type="datetimeFigureOut">
               <a:rPr lang="en-US" smtClean="0"/>
-              <a:t>12/11/2024</a:t>
+              <a:t>12/12/2024</a:t>
             </a:fld>
             <a:endParaRPr lang="en-US"/>
           </a:p>
@@ -3222,7 +3222,7 @@
           <a:p>
             <a:fld id="{C581C05D-0FB0-49C1-AC7E-1A445F707D70}" type="datetimeFigureOut">
               <a:rPr lang="en-US" smtClean="0"/>
-              <a:t>12/11/2024</a:t>
+              <a:t>12/12/2024</a:t>
             </a:fld>
             <a:endParaRPr lang="en-US"/>
           </a:p>
@@ -3463,7 +3463,7 @@
           <a:p>
             <a:fld id="{C581C05D-0FB0-49C1-AC7E-1A445F707D70}" type="datetimeFigureOut">
               <a:rPr lang="en-US" smtClean="0"/>
-              <a:t>12/11/2024</a:t>
+              <a:t>12/12/2024</a:t>
             </a:fld>
             <a:endParaRPr lang="en-US"/>
           </a:p>
@@ -12553,8 +12553,8 @@
         </p:nvSpPr>
         <p:spPr>
           <a:xfrm>
-            <a:off x="609299" y="5511555"/>
-            <a:ext cx="11075468" cy="369332"/>
+            <a:off x="1698001" y="5571785"/>
+            <a:ext cx="8795998" cy="369332"/>
           </a:xfrm>
           <a:prstGeom prst="rect">
             <a:avLst/>
@@ -12584,7 +12584,7 @@
                 </a:solidFill>
                 <a:latin typeface="Consolas" panose="020B0609020204030204" pitchFamily="49" charset="0"/>
               </a:rPr>
-              <a:t>conda create –y –n sleap-autoanalysis </a:t>
+              <a:t>conda create –y –n autosleap </a:t>
             </a:r>
             <a:r>
               <a:rPr lang="en-US" dirty="0">
@@ -12638,7 +12638,7 @@
                 </a:solidFill>
                 <a:latin typeface="Consolas" panose="020B0609020204030204" pitchFamily="49" charset="0"/>
               </a:rPr>
-              <a:t>sleap-autoanalysis</a:t>
+              <a:t>autosleap</a:t>
             </a:r>
             <a:endParaRPr lang="pt-BR" dirty="0">
               <a:solidFill>
